--- a/Documentacion/Teclado/Teclado.pptx
+++ b/Documentacion/Teclado/Teclado.pptx
@@ -104,6 +104,22 @@
       </a:defRPr>
     </a:lvl9pPr>
   </p:defaultTextStyle>
+  <p:extLst>
+    <p:ext uri="{EFAFB233-063F-42B5-8137-9DF3F51BA10A}">
+      <p15:sldGuideLst xmlns:p15="http://schemas.microsoft.com/office/powerpoint/2012/main" xmlns="">
+        <p15:guide id="1" orient="horz" pos="2160">
+          <p15:clr>
+            <a:srgbClr val="A4A3A4"/>
+          </p15:clr>
+        </p15:guide>
+        <p15:guide id="2" pos="2880">
+          <p15:clr>
+            <a:srgbClr val="A4A3A4"/>
+          </p15:clr>
+        </p15:guide>
+      </p15:sldGuideLst>
+    </p:ext>
+  </p:extLst>
 </p:presentation>
 </file>
 
@@ -288,7 +304,7 @@
           <a:p>
             <a:fld id="{1B87B192-5CFD-4F4A-9573-39C0182C9B19}" type="datetimeFigureOut">
               <a:rPr lang="es-MX" smtClean="0"/>
-              <a:t>29/04/2015</a:t>
+              <a:t>16/07/17</a:t>
             </a:fld>
             <a:endParaRPr lang="es-MX"/>
           </a:p>
@@ -330,7 +346,7 @@
           <a:p>
             <a:fld id="{0DC71EAF-3CEC-4A05-B005-9758601AB61F}" type="slidenum">
               <a:rPr lang="es-MX" smtClean="0"/>
-              <a:t>‹Nº›</a:t>
+              <a:t>‹#›</a:t>
             </a:fld>
             <a:endParaRPr lang="es-MX"/>
           </a:p>
@@ -458,7 +474,7 @@
           <a:p>
             <a:fld id="{1B87B192-5CFD-4F4A-9573-39C0182C9B19}" type="datetimeFigureOut">
               <a:rPr lang="es-MX" smtClean="0"/>
-              <a:t>29/04/2015</a:t>
+              <a:t>16/07/17</a:t>
             </a:fld>
             <a:endParaRPr lang="es-MX"/>
           </a:p>
@@ -500,7 +516,7 @@
           <a:p>
             <a:fld id="{0DC71EAF-3CEC-4A05-B005-9758601AB61F}" type="slidenum">
               <a:rPr lang="es-MX" smtClean="0"/>
-              <a:t>‹Nº›</a:t>
+              <a:t>‹#›</a:t>
             </a:fld>
             <a:endParaRPr lang="es-MX"/>
           </a:p>
@@ -638,7 +654,7 @@
           <a:p>
             <a:fld id="{1B87B192-5CFD-4F4A-9573-39C0182C9B19}" type="datetimeFigureOut">
               <a:rPr lang="es-MX" smtClean="0"/>
-              <a:t>29/04/2015</a:t>
+              <a:t>16/07/17</a:t>
             </a:fld>
             <a:endParaRPr lang="es-MX"/>
           </a:p>
@@ -680,7 +696,7 @@
           <a:p>
             <a:fld id="{0DC71EAF-3CEC-4A05-B005-9758601AB61F}" type="slidenum">
               <a:rPr lang="es-MX" smtClean="0"/>
-              <a:t>‹Nº›</a:t>
+              <a:t>‹#›</a:t>
             </a:fld>
             <a:endParaRPr lang="es-MX"/>
           </a:p>
@@ -808,7 +824,7 @@
           <a:p>
             <a:fld id="{1B87B192-5CFD-4F4A-9573-39C0182C9B19}" type="datetimeFigureOut">
               <a:rPr lang="es-MX" smtClean="0"/>
-              <a:t>29/04/2015</a:t>
+              <a:t>16/07/17</a:t>
             </a:fld>
             <a:endParaRPr lang="es-MX"/>
           </a:p>
@@ -850,7 +866,7 @@
           <a:p>
             <a:fld id="{0DC71EAF-3CEC-4A05-B005-9758601AB61F}" type="slidenum">
               <a:rPr lang="es-MX" smtClean="0"/>
-              <a:t>‹Nº›</a:t>
+              <a:t>‹#›</a:t>
             </a:fld>
             <a:endParaRPr lang="es-MX"/>
           </a:p>
@@ -1054,7 +1070,7 @@
           <a:p>
             <a:fld id="{1B87B192-5CFD-4F4A-9573-39C0182C9B19}" type="datetimeFigureOut">
               <a:rPr lang="es-MX" smtClean="0"/>
-              <a:t>29/04/2015</a:t>
+              <a:t>16/07/17</a:t>
             </a:fld>
             <a:endParaRPr lang="es-MX"/>
           </a:p>
@@ -1096,7 +1112,7 @@
           <a:p>
             <a:fld id="{0DC71EAF-3CEC-4A05-B005-9758601AB61F}" type="slidenum">
               <a:rPr lang="es-MX" smtClean="0"/>
-              <a:t>‹Nº›</a:t>
+              <a:t>‹#›</a:t>
             </a:fld>
             <a:endParaRPr lang="es-MX"/>
           </a:p>
@@ -1342,7 +1358,7 @@
           <a:p>
             <a:fld id="{1B87B192-5CFD-4F4A-9573-39C0182C9B19}" type="datetimeFigureOut">
               <a:rPr lang="es-MX" smtClean="0"/>
-              <a:t>29/04/2015</a:t>
+              <a:t>16/07/17</a:t>
             </a:fld>
             <a:endParaRPr lang="es-MX"/>
           </a:p>
@@ -1384,7 +1400,7 @@
           <a:p>
             <a:fld id="{0DC71EAF-3CEC-4A05-B005-9758601AB61F}" type="slidenum">
               <a:rPr lang="es-MX" smtClean="0"/>
-              <a:t>‹Nº›</a:t>
+              <a:t>‹#›</a:t>
             </a:fld>
             <a:endParaRPr lang="es-MX"/>
           </a:p>
@@ -1764,7 +1780,7 @@
           <a:p>
             <a:fld id="{1B87B192-5CFD-4F4A-9573-39C0182C9B19}" type="datetimeFigureOut">
               <a:rPr lang="es-MX" smtClean="0"/>
-              <a:t>29/04/2015</a:t>
+              <a:t>16/07/17</a:t>
             </a:fld>
             <a:endParaRPr lang="es-MX"/>
           </a:p>
@@ -1806,7 +1822,7 @@
           <a:p>
             <a:fld id="{0DC71EAF-3CEC-4A05-B005-9758601AB61F}" type="slidenum">
               <a:rPr lang="es-MX" smtClean="0"/>
-              <a:t>‹Nº›</a:t>
+              <a:t>‹#›</a:t>
             </a:fld>
             <a:endParaRPr lang="es-MX"/>
           </a:p>
@@ -1882,7 +1898,7 @@
           <a:p>
             <a:fld id="{1B87B192-5CFD-4F4A-9573-39C0182C9B19}" type="datetimeFigureOut">
               <a:rPr lang="es-MX" smtClean="0"/>
-              <a:t>29/04/2015</a:t>
+              <a:t>16/07/17</a:t>
             </a:fld>
             <a:endParaRPr lang="es-MX"/>
           </a:p>
@@ -1924,7 +1940,7 @@
           <a:p>
             <a:fld id="{0DC71EAF-3CEC-4A05-B005-9758601AB61F}" type="slidenum">
               <a:rPr lang="es-MX" smtClean="0"/>
-              <a:t>‹Nº›</a:t>
+              <a:t>‹#›</a:t>
             </a:fld>
             <a:endParaRPr lang="es-MX"/>
           </a:p>
@@ -1977,7 +1993,7 @@
           <a:p>
             <a:fld id="{1B87B192-5CFD-4F4A-9573-39C0182C9B19}" type="datetimeFigureOut">
               <a:rPr lang="es-MX" smtClean="0"/>
-              <a:t>29/04/2015</a:t>
+              <a:t>16/07/17</a:t>
             </a:fld>
             <a:endParaRPr lang="es-MX"/>
           </a:p>
@@ -2019,7 +2035,7 @@
           <a:p>
             <a:fld id="{0DC71EAF-3CEC-4A05-B005-9758601AB61F}" type="slidenum">
               <a:rPr lang="es-MX" smtClean="0"/>
-              <a:t>‹Nº›</a:t>
+              <a:t>‹#›</a:t>
             </a:fld>
             <a:endParaRPr lang="es-MX"/>
           </a:p>
@@ -2254,7 +2270,7 @@
           <a:p>
             <a:fld id="{1B87B192-5CFD-4F4A-9573-39C0182C9B19}" type="datetimeFigureOut">
               <a:rPr lang="es-MX" smtClean="0"/>
-              <a:t>29/04/2015</a:t>
+              <a:t>16/07/17</a:t>
             </a:fld>
             <a:endParaRPr lang="es-MX"/>
           </a:p>
@@ -2296,7 +2312,7 @@
           <a:p>
             <a:fld id="{0DC71EAF-3CEC-4A05-B005-9758601AB61F}" type="slidenum">
               <a:rPr lang="es-MX" smtClean="0"/>
-              <a:t>‹Nº›</a:t>
+              <a:t>‹#›</a:t>
             </a:fld>
             <a:endParaRPr lang="es-MX"/>
           </a:p>
@@ -2507,7 +2523,7 @@
           <a:p>
             <a:fld id="{1B87B192-5CFD-4F4A-9573-39C0182C9B19}" type="datetimeFigureOut">
               <a:rPr lang="es-MX" smtClean="0"/>
-              <a:t>29/04/2015</a:t>
+              <a:t>16/07/17</a:t>
             </a:fld>
             <a:endParaRPr lang="es-MX"/>
           </a:p>
@@ -2549,7 +2565,7 @@
           <a:p>
             <a:fld id="{0DC71EAF-3CEC-4A05-B005-9758601AB61F}" type="slidenum">
               <a:rPr lang="es-MX" smtClean="0"/>
-              <a:t>‹Nº›</a:t>
+              <a:t>‹#›</a:t>
             </a:fld>
             <a:endParaRPr lang="es-MX"/>
           </a:p>
@@ -2720,7 +2736,7 @@
           <a:p>
             <a:fld id="{1B87B192-5CFD-4F4A-9573-39C0182C9B19}" type="datetimeFigureOut">
               <a:rPr lang="es-MX" smtClean="0"/>
-              <a:t>29/04/2015</a:t>
+              <a:t>16/07/17</a:t>
             </a:fld>
             <a:endParaRPr lang="es-MX"/>
           </a:p>
@@ -2798,7 +2814,7 @@
           <a:p>
             <a:fld id="{0DC71EAF-3CEC-4A05-B005-9758601AB61F}" type="slidenum">
               <a:rPr lang="es-MX" smtClean="0"/>
-              <a:t>‹Nº›</a:t>
+              <a:t>‹#›</a:t>
             </a:fld>
             <a:endParaRPr lang="es-MX"/>
           </a:p>
@@ -3126,7 +3142,7 @@
           </a:prstGeom>
           <a:noFill/>
           <a:extLst>
-            <a:ext uri="{909E8E84-426E-40DD-AFC4-6F175D3DCCD1}">
+            <a:ext uri="{909E8E84-426E-40dd-AFC4-6F175D3DCCD1}">
               <a14:hiddenFill xmlns:a14="http://schemas.microsoft.com/office/drawing/2010/main">
                 <a:solidFill>
                   <a:srgbClr val="FFFFFF"/>
@@ -3145,7 +3161,7 @@
         <p:spPr>
           <a:xfrm>
             <a:off x="3616464" y="2132856"/>
-            <a:ext cx="1440160" cy="360040"/>
+            <a:ext cx="1675616" cy="360040"/>
           </a:xfrm>
           <a:prstGeom prst="rect">
             <a:avLst/>
@@ -3171,16 +3187,8 @@
           <a:p>
             <a:pPr algn="ctr"/>
             <a:r>
-              <a:rPr lang="es-ES_tradnl" dirty="0" err="1" smtClean="0"/>
-              <a:t>Value</a:t>
-            </a:r>
-            <a:r>
-              <a:rPr lang="es-ES_tradnl" dirty="0"/>
-              <a:t> </a:t>
-            </a:r>
-            <a:r>
               <a:rPr lang="es-ES_tradnl" dirty="0" smtClean="0"/>
-              <a:t>= 255</a:t>
+              <a:t>Max Value</a:t>
             </a:r>
             <a:endParaRPr lang="es-MX" dirty="0"/>
           </a:p>
@@ -3195,7 +3203,7 @@
         <p:spPr>
           <a:xfrm>
             <a:off x="3616464" y="2680680"/>
-            <a:ext cx="1440160" cy="360040"/>
+            <a:ext cx="1675616" cy="360040"/>
           </a:xfrm>
           <a:prstGeom prst="rect">
             <a:avLst/>
@@ -3221,16 +3229,8 @@
           <a:p>
             <a:pPr algn="ctr"/>
             <a:r>
-              <a:rPr lang="es-ES_tradnl" dirty="0" err="1" smtClean="0"/>
-              <a:t>Value</a:t>
-            </a:r>
-            <a:r>
-              <a:rPr lang="es-ES_tradnl" dirty="0"/>
-              <a:t> </a:t>
-            </a:r>
-            <a:r>
               <a:rPr lang="es-ES_tradnl" dirty="0" smtClean="0"/>
-              <a:t>= 000</a:t>
+              <a:t>Min Value</a:t>
             </a:r>
             <a:endParaRPr lang="es-MX" dirty="0"/>
           </a:p>
@@ -3245,7 +3245,7 @@
         <p:spPr>
           <a:xfrm>
             <a:off x="3635896" y="3212976"/>
-            <a:ext cx="1655936" cy="360040"/>
+            <a:ext cx="1656184" cy="360040"/>
           </a:xfrm>
           <a:prstGeom prst="rect">
             <a:avLst/>
@@ -3271,16 +3271,8 @@
           <a:p>
             <a:pPr algn="ctr"/>
             <a:r>
-              <a:rPr lang="es-ES_tradnl" dirty="0" err="1" smtClean="0"/>
-              <a:t>Value</a:t>
-            </a:r>
-            <a:r>
               <a:rPr lang="es-ES_tradnl" dirty="0" smtClean="0"/>
-              <a:t> = </a:t>
-            </a:r>
-            <a:r>
-              <a:rPr lang="es-ES_tradnl" dirty="0" err="1" smtClean="0"/>
-              <a:t>Locate</a:t>
+              <a:t>Locate Channel</a:t>
             </a:r>
             <a:endParaRPr lang="es-MX" dirty="0"/>
           </a:p>
@@ -3295,7 +3287,7 @@
         <p:spPr>
           <a:xfrm>
             <a:off x="3635896" y="3789040"/>
-            <a:ext cx="1655936" cy="360040"/>
+            <a:ext cx="1656184" cy="360040"/>
           </a:xfrm>
           <a:prstGeom prst="rect">
             <a:avLst/>
@@ -3321,16 +3313,8 @@
           <a:p>
             <a:pPr algn="ctr"/>
             <a:r>
-              <a:rPr lang="es-ES_tradnl" dirty="0" err="1" smtClean="0"/>
-              <a:t>Value</a:t>
-            </a:r>
-            <a:r>
               <a:rPr lang="es-ES_tradnl" dirty="0" smtClean="0"/>
-              <a:t> = </a:t>
-            </a:r>
-            <a:r>
-              <a:rPr lang="es-ES_tradnl" dirty="0" err="1" smtClean="0"/>
-              <a:t>Analog</a:t>
+              <a:t>Analog Value</a:t>
             </a:r>
             <a:endParaRPr lang="es-MX" dirty="0"/>
           </a:p>
@@ -3345,7 +3329,7 @@
         <p:spPr>
           <a:xfrm>
             <a:off x="2579008" y="5004772"/>
-            <a:ext cx="1037456" cy="360040"/>
+            <a:ext cx="2137008" cy="360040"/>
           </a:xfrm>
           <a:prstGeom prst="rect">
             <a:avLst/>
@@ -3371,8 +3355,12 @@
           <a:p>
             <a:pPr algn="ctr"/>
             <a:r>
-              <a:rPr lang="es-ES_tradnl" dirty="0" err="1" smtClean="0"/>
-              <a:t>Enter</a:t>
+              <a:rPr lang="es-ES_tradnl" dirty="0" smtClean="0"/>
+              <a:t>Back </a:t>
+            </a:r>
+            <a:r>
+              <a:rPr lang="es-ES_tradnl" dirty="0" smtClean="0"/>
+              <a:t>Light, Key Light</a:t>
             </a:r>
             <a:endParaRPr lang="es-MX" dirty="0"/>
           </a:p>
@@ -3386,8 +3374,8 @@
         </p:nvSpPr>
         <p:spPr>
           <a:xfrm>
-            <a:off x="2310408" y="5517232"/>
-            <a:ext cx="1325488" cy="576064"/>
+            <a:off x="2310408" y="5589240"/>
+            <a:ext cx="1469504" cy="353251"/>
           </a:xfrm>
           <a:prstGeom prst="rect">
             <a:avLst/>
@@ -3414,18 +3402,7 @@
             <a:pPr algn="ctr"/>
             <a:r>
               <a:rPr lang="es-ES_tradnl" dirty="0" smtClean="0"/>
-              <a:t>Back Light </a:t>
-            </a:r>
-          </a:p>
-          <a:p>
-            <a:pPr algn="ctr"/>
-            <a:r>
-              <a:rPr lang="es-ES_tradnl" dirty="0" err="1" smtClean="0"/>
-              <a:t>On</a:t>
-            </a:r>
-            <a:r>
-              <a:rPr lang="es-ES_tradnl" dirty="0" smtClean="0"/>
-              <a:t>/Off</a:t>
+              <a:t>External Light</a:t>
             </a:r>
             <a:endParaRPr lang="es-MX" dirty="0"/>
           </a:p>
@@ -3655,7 +3632,7 @@
         <p:spPr>
           <a:xfrm flipV="1">
             <a:off x="1149584" y="4077072"/>
-            <a:ext cx="0" cy="1728192"/>
+            <a:ext cx="0" cy="1656184"/>
           </a:xfrm>
           <a:prstGeom prst="straightConnector1">
             <a:avLst/>
@@ -3690,7 +3667,7 @@
         </p:nvCxnSpPr>
         <p:spPr>
           <a:xfrm>
-            <a:off x="1149584" y="5813196"/>
+            <a:off x="1149584" y="5733256"/>
             <a:ext cx="1160824" cy="0"/>
           </a:xfrm>
           <a:prstGeom prst="line">
